--- a/24.01.17_lecture note.pptx
+++ b/24.01.17_lecture note.pptx
@@ -32,6 +32,12 @@
     <p:sldId id="279" r:id="rId26"/>
     <p:sldId id="280" r:id="rId27"/>
     <p:sldId id="281" r:id="rId28"/>
+    <p:sldId id="283" r:id="rId29"/>
+    <p:sldId id="284" r:id="rId30"/>
+    <p:sldId id="285" r:id="rId31"/>
+    <p:sldId id="286" r:id="rId32"/>
+    <p:sldId id="287" r:id="rId33"/>
+    <p:sldId id="288" r:id="rId34"/>
   </p:sldIdLst>
   <p:sldSz cx="12192000" cy="6858000"/>
   <p:notesSz cx="6858000" cy="9144000"/>
@@ -11043,6 +11049,616 @@
 </p:sld>
 </file>
 
+<file path=ppt/slides/slide28.xml><?xml version="1.0" encoding="utf-8"?>
+<p:sld xmlns:a="http://schemas.openxmlformats.org/drawingml/2006/main" xmlns:r="http://schemas.openxmlformats.org/officeDocument/2006/relationships" xmlns:p="http://schemas.openxmlformats.org/presentationml/2006/main">
+  <p:cSld>
+    <p:spTree>
+      <p:nvGrpSpPr>
+        <p:cNvPr id="1" name=""/>
+        <p:cNvGrpSpPr/>
+        <p:nvPr/>
+      </p:nvGrpSpPr>
+      <p:grpSpPr>
+        <a:xfrm>
+          <a:off x="0" y="0"/>
+          <a:ext cx="0" cy="0"/>
+          <a:chOff x="0" y="0"/>
+          <a:chExt cx="0" cy="0"/>
+        </a:xfrm>
+      </p:grpSpPr>
+      <p:sp>
+        <p:nvSpPr>
+          <p:cNvPr id="21" name="TextBox 20"/>
+          <p:cNvSpPr txBox="1"/>
+          <p:nvPr/>
+        </p:nvSpPr>
+        <p:spPr>
+          <a:xfrm>
+            <a:off x="242448" y="358449"/>
+            <a:ext cx="1051891" cy="400110"/>
+          </a:xfrm>
+          <a:prstGeom prst="rect">
+            <a:avLst/>
+          </a:prstGeom>
+          <a:noFill/>
+          <a:ln w="38100">
+            <a:solidFill>
+              <a:schemeClr val="tx1"/>
+            </a:solidFill>
+          </a:ln>
+        </p:spPr>
+        <p:txBody>
+          <a:bodyPr wrap="none" rtlCol="0">
+            <a:spAutoFit/>
+          </a:bodyPr>
+          <a:lstStyle/>
+          <a:p>
+            <a:r>
+              <a:rPr lang="en-US" altLang="ko-KR" sz="2000" b="1" dirty="0" smtClean="0"/>
+              <a:t>Git</a:t>
+            </a:r>
+            <a:r>
+              <a:rPr lang="en-US" altLang="ko-KR" sz="2000" b="1" dirty="0" smtClean="0"/>
+              <a:t>Hub</a:t>
+            </a:r>
+            <a:endParaRPr lang="ko-KR" altLang="en-US" sz="2000" b="1" dirty="0"/>
+          </a:p>
+        </p:txBody>
+      </p:sp>
+      <p:sp>
+        <p:nvSpPr>
+          <p:cNvPr id="5" name="TextBox 4"/>
+          <p:cNvSpPr txBox="1"/>
+          <p:nvPr/>
+        </p:nvSpPr>
+        <p:spPr>
+          <a:xfrm>
+            <a:off x="8850583" y="286759"/>
+            <a:ext cx="3142528" cy="400110"/>
+          </a:xfrm>
+          <a:prstGeom prst="rect">
+            <a:avLst/>
+          </a:prstGeom>
+          <a:noFill/>
+          <a:ln w="19050">
+            <a:noFill/>
+          </a:ln>
+        </p:spPr>
+        <p:txBody>
+          <a:bodyPr wrap="none" rtlCol="0">
+            <a:spAutoFit/>
+          </a:bodyPr>
+          <a:lstStyle/>
+          <a:p>
+            <a:pPr algn="r"/>
+            <a:r>
+              <a:rPr lang="en-US" altLang="ko-KR" sz="2000" b="1" dirty="0" smtClean="0">
+                <a:solidFill>
+                  <a:srgbClr val="0070C0"/>
+                </a:solidFill>
+              </a:rPr>
+              <a:t>[</a:t>
+            </a:r>
+            <a:r>
+              <a:rPr lang="ko-KR" altLang="en-US" sz="2000" b="1" dirty="0" smtClean="0">
+                <a:solidFill>
+                  <a:srgbClr val="0070C0"/>
+                </a:solidFill>
+              </a:rPr>
+              <a:t>실습</a:t>
+            </a:r>
+            <a:r>
+              <a:rPr lang="en-US" altLang="ko-KR" sz="2000" b="1" dirty="0" smtClean="0">
+                <a:solidFill>
+                  <a:srgbClr val="0070C0"/>
+                </a:solidFill>
+              </a:rPr>
+              <a:t>6] </a:t>
+            </a:r>
+            <a:r>
+              <a:rPr lang="en-US" altLang="ko-KR" sz="2000" b="1" dirty="0" err="1" smtClean="0">
+                <a:solidFill>
+                  <a:srgbClr val="0070C0"/>
+                </a:solidFill>
+              </a:rPr>
+              <a:t>pr</a:t>
+            </a:r>
+            <a:r>
+              <a:rPr lang="en-US" altLang="ko-KR" sz="2000" b="1" dirty="0" smtClean="0">
+                <a:solidFill>
+                  <a:srgbClr val="0070C0"/>
+                </a:solidFill>
+              </a:rPr>
+              <a:t>(pull requests)</a:t>
+            </a:r>
+            <a:endParaRPr lang="ko-KR" altLang="en-US" sz="2000" dirty="0">
+              <a:solidFill>
+                <a:srgbClr val="0070C0"/>
+              </a:solidFill>
+            </a:endParaRPr>
+          </a:p>
+        </p:txBody>
+      </p:sp>
+      <p:pic>
+        <p:nvPicPr>
+          <p:cNvPr id="6" name="그림 5"/>
+          <p:cNvPicPr>
+            <a:picLocks noChangeAspect="1"/>
+          </p:cNvPicPr>
+          <p:nvPr/>
+        </p:nvPicPr>
+        <p:blipFill>
+          <a:blip r:embed="rId2"/>
+          <a:stretch>
+            <a:fillRect/>
+          </a:stretch>
+        </p:blipFill>
+        <p:spPr>
+          <a:xfrm>
+            <a:off x="127754" y="1833340"/>
+            <a:ext cx="11936491" cy="3191320"/>
+          </a:xfrm>
+          <a:prstGeom prst="rect">
+            <a:avLst/>
+          </a:prstGeom>
+        </p:spPr>
+      </p:pic>
+      <p:sp>
+        <p:nvSpPr>
+          <p:cNvPr id="8" name="직사각형 7"/>
+          <p:cNvSpPr/>
+          <p:nvPr/>
+        </p:nvSpPr>
+        <p:spPr>
+          <a:xfrm>
+            <a:off x="1008367" y="1906750"/>
+            <a:ext cx="1671333" cy="379250"/>
+          </a:xfrm>
+          <a:prstGeom prst="rect">
+            <a:avLst/>
+          </a:prstGeom>
+          <a:noFill/>
+          <a:ln w="38100">
+            <a:solidFill>
+              <a:srgbClr val="FF0000"/>
+            </a:solidFill>
+          </a:ln>
+        </p:spPr>
+        <p:style>
+          <a:lnRef idx="2">
+            <a:schemeClr val="accent1">
+              <a:shade val="50000"/>
+            </a:schemeClr>
+          </a:lnRef>
+          <a:fillRef idx="1">
+            <a:schemeClr val="accent1"/>
+          </a:fillRef>
+          <a:effectRef idx="0">
+            <a:schemeClr val="accent1"/>
+          </a:effectRef>
+          <a:fontRef idx="minor">
+            <a:schemeClr val="lt1"/>
+          </a:fontRef>
+        </p:style>
+        <p:txBody>
+          <a:bodyPr rtlCol="0" anchor="ctr"/>
+          <a:lstStyle/>
+          <a:p>
+            <a:pPr algn="ctr"/>
+            <a:endParaRPr lang="ko-KR" altLang="en-US"/>
+          </a:p>
+        </p:txBody>
+      </p:sp>
+      <p:sp>
+        <p:nvSpPr>
+          <p:cNvPr id="9" name="직사각형 8"/>
+          <p:cNvSpPr/>
+          <p:nvPr/>
+        </p:nvSpPr>
+        <p:spPr>
+          <a:xfrm>
+            <a:off x="1793233" y="2372110"/>
+            <a:ext cx="1153167" cy="379250"/>
+          </a:xfrm>
+          <a:prstGeom prst="rect">
+            <a:avLst/>
+          </a:prstGeom>
+          <a:noFill/>
+          <a:ln w="38100">
+            <a:solidFill>
+              <a:srgbClr val="FF0000"/>
+            </a:solidFill>
+          </a:ln>
+        </p:spPr>
+        <p:style>
+          <a:lnRef idx="2">
+            <a:schemeClr val="accent1">
+              <a:shade val="50000"/>
+            </a:schemeClr>
+          </a:lnRef>
+          <a:fillRef idx="1">
+            <a:schemeClr val="accent1"/>
+          </a:fillRef>
+          <a:effectRef idx="0">
+            <a:schemeClr val="accent1"/>
+          </a:effectRef>
+          <a:fontRef idx="minor">
+            <a:schemeClr val="lt1"/>
+          </a:fontRef>
+        </p:style>
+        <p:txBody>
+          <a:bodyPr rtlCol="0" anchor="ctr"/>
+          <a:lstStyle/>
+          <a:p>
+            <a:pPr algn="ctr"/>
+            <a:endParaRPr lang="ko-KR" altLang="en-US"/>
+          </a:p>
+        </p:txBody>
+      </p:sp>
+      <p:sp>
+        <p:nvSpPr>
+          <p:cNvPr id="10" name="직사각형 9"/>
+          <p:cNvSpPr/>
+          <p:nvPr/>
+        </p:nvSpPr>
+        <p:spPr>
+          <a:xfrm>
+            <a:off x="10670533" y="4239010"/>
+            <a:ext cx="1229367" cy="332990"/>
+          </a:xfrm>
+          <a:prstGeom prst="rect">
+            <a:avLst/>
+          </a:prstGeom>
+          <a:noFill/>
+          <a:ln w="38100">
+            <a:solidFill>
+              <a:srgbClr val="FF0000"/>
+            </a:solidFill>
+          </a:ln>
+        </p:spPr>
+        <p:style>
+          <a:lnRef idx="2">
+            <a:schemeClr val="accent1">
+              <a:shade val="50000"/>
+            </a:schemeClr>
+          </a:lnRef>
+          <a:fillRef idx="1">
+            <a:schemeClr val="accent1"/>
+          </a:fillRef>
+          <a:effectRef idx="0">
+            <a:schemeClr val="accent1"/>
+          </a:effectRef>
+          <a:fontRef idx="minor">
+            <a:schemeClr val="lt1"/>
+          </a:fontRef>
+        </p:style>
+        <p:txBody>
+          <a:bodyPr rtlCol="0" anchor="ctr"/>
+          <a:lstStyle/>
+          <a:p>
+            <a:pPr algn="ctr"/>
+            <a:endParaRPr lang="ko-KR" altLang="en-US"/>
+          </a:p>
+        </p:txBody>
+      </p:sp>
+    </p:spTree>
+    <p:extLst>
+      <p:ext uri="{BB962C8B-B14F-4D97-AF65-F5344CB8AC3E}">
+        <p14:creationId xmlns:p14="http://schemas.microsoft.com/office/powerpoint/2010/main" val="2726808943"/>
+      </p:ext>
+    </p:extLst>
+  </p:cSld>
+  <p:clrMapOvr>
+    <a:masterClrMapping/>
+  </p:clrMapOvr>
+</p:sld>
+</file>
+
+<file path=ppt/slides/slide29.xml><?xml version="1.0" encoding="utf-8"?>
+<p:sld xmlns:a="http://schemas.openxmlformats.org/drawingml/2006/main" xmlns:r="http://schemas.openxmlformats.org/officeDocument/2006/relationships" xmlns:p="http://schemas.openxmlformats.org/presentationml/2006/main">
+  <p:cSld>
+    <p:spTree>
+      <p:nvGrpSpPr>
+        <p:cNvPr id="1" name=""/>
+        <p:cNvGrpSpPr/>
+        <p:nvPr/>
+      </p:nvGrpSpPr>
+      <p:grpSpPr>
+        <a:xfrm>
+          <a:off x="0" y="0"/>
+          <a:ext cx="0" cy="0"/>
+          <a:chOff x="0" y="0"/>
+          <a:chExt cx="0" cy="0"/>
+        </a:xfrm>
+      </p:grpSpPr>
+      <p:pic>
+        <p:nvPicPr>
+          <p:cNvPr id="2" name="그림 1"/>
+          <p:cNvPicPr>
+            <a:picLocks noChangeAspect="1"/>
+          </p:cNvPicPr>
+          <p:nvPr/>
+        </p:nvPicPr>
+        <p:blipFill>
+          <a:blip r:embed="rId2"/>
+          <a:stretch>
+            <a:fillRect/>
+          </a:stretch>
+        </p:blipFill>
+        <p:spPr>
+          <a:xfrm>
+            <a:off x="237307" y="2023866"/>
+            <a:ext cx="11717385" cy="2810267"/>
+          </a:xfrm>
+          <a:prstGeom prst="rect">
+            <a:avLst/>
+          </a:prstGeom>
+        </p:spPr>
+      </p:pic>
+      <p:sp>
+        <p:nvSpPr>
+          <p:cNvPr id="21" name="TextBox 20"/>
+          <p:cNvSpPr txBox="1"/>
+          <p:nvPr/>
+        </p:nvSpPr>
+        <p:spPr>
+          <a:xfrm>
+            <a:off x="242448" y="358449"/>
+            <a:ext cx="1051891" cy="400110"/>
+          </a:xfrm>
+          <a:prstGeom prst="rect">
+            <a:avLst/>
+          </a:prstGeom>
+          <a:noFill/>
+          <a:ln w="38100">
+            <a:solidFill>
+              <a:schemeClr val="tx1"/>
+            </a:solidFill>
+          </a:ln>
+        </p:spPr>
+        <p:txBody>
+          <a:bodyPr wrap="none" rtlCol="0">
+            <a:spAutoFit/>
+          </a:bodyPr>
+          <a:lstStyle/>
+          <a:p>
+            <a:r>
+              <a:rPr lang="en-US" altLang="ko-KR" sz="2000" b="1" dirty="0" smtClean="0"/>
+              <a:t>Git</a:t>
+            </a:r>
+            <a:r>
+              <a:rPr lang="en-US" altLang="ko-KR" sz="2000" b="1" dirty="0" smtClean="0"/>
+              <a:t>Hub</a:t>
+            </a:r>
+            <a:endParaRPr lang="ko-KR" altLang="en-US" sz="2000" b="1" dirty="0"/>
+          </a:p>
+        </p:txBody>
+      </p:sp>
+      <p:sp>
+        <p:nvSpPr>
+          <p:cNvPr id="5" name="TextBox 4"/>
+          <p:cNvSpPr txBox="1"/>
+          <p:nvPr/>
+        </p:nvSpPr>
+        <p:spPr>
+          <a:xfrm>
+            <a:off x="8850583" y="286759"/>
+            <a:ext cx="3142528" cy="400110"/>
+          </a:xfrm>
+          <a:prstGeom prst="rect">
+            <a:avLst/>
+          </a:prstGeom>
+          <a:noFill/>
+          <a:ln w="19050">
+            <a:noFill/>
+          </a:ln>
+        </p:spPr>
+        <p:txBody>
+          <a:bodyPr wrap="none" rtlCol="0">
+            <a:spAutoFit/>
+          </a:bodyPr>
+          <a:lstStyle/>
+          <a:p>
+            <a:pPr algn="r"/>
+            <a:r>
+              <a:rPr lang="en-US" altLang="ko-KR" sz="2000" b="1" dirty="0" smtClean="0">
+                <a:solidFill>
+                  <a:srgbClr val="0070C0"/>
+                </a:solidFill>
+              </a:rPr>
+              <a:t>[</a:t>
+            </a:r>
+            <a:r>
+              <a:rPr lang="ko-KR" altLang="en-US" sz="2000" b="1" dirty="0" smtClean="0">
+                <a:solidFill>
+                  <a:srgbClr val="0070C0"/>
+                </a:solidFill>
+              </a:rPr>
+              <a:t>실습</a:t>
+            </a:r>
+            <a:r>
+              <a:rPr lang="en-US" altLang="ko-KR" sz="2000" b="1" dirty="0" smtClean="0">
+                <a:solidFill>
+                  <a:srgbClr val="0070C0"/>
+                </a:solidFill>
+              </a:rPr>
+              <a:t>6] </a:t>
+            </a:r>
+            <a:r>
+              <a:rPr lang="en-US" altLang="ko-KR" sz="2000" b="1" dirty="0" err="1" smtClean="0">
+                <a:solidFill>
+                  <a:srgbClr val="0070C0"/>
+                </a:solidFill>
+              </a:rPr>
+              <a:t>pr</a:t>
+            </a:r>
+            <a:r>
+              <a:rPr lang="en-US" altLang="ko-KR" sz="2000" b="1" dirty="0" smtClean="0">
+                <a:solidFill>
+                  <a:srgbClr val="0070C0"/>
+                </a:solidFill>
+              </a:rPr>
+              <a:t>(pull requests)</a:t>
+            </a:r>
+            <a:endParaRPr lang="ko-KR" altLang="en-US" sz="2000" dirty="0">
+              <a:solidFill>
+                <a:srgbClr val="0070C0"/>
+              </a:solidFill>
+            </a:endParaRPr>
+          </a:p>
+        </p:txBody>
+      </p:sp>
+      <p:sp>
+        <p:nvSpPr>
+          <p:cNvPr id="8" name="직사각형 7"/>
+          <p:cNvSpPr/>
+          <p:nvPr/>
+        </p:nvSpPr>
+        <p:spPr>
+          <a:xfrm>
+            <a:off x="809027" y="2997200"/>
+            <a:ext cx="841974" cy="279400"/>
+          </a:xfrm>
+          <a:prstGeom prst="rect">
+            <a:avLst/>
+          </a:prstGeom>
+          <a:noFill/>
+          <a:ln w="38100">
+            <a:solidFill>
+              <a:srgbClr val="FF0000"/>
+            </a:solidFill>
+          </a:ln>
+        </p:spPr>
+        <p:style>
+          <a:lnRef idx="2">
+            <a:schemeClr val="accent1">
+              <a:shade val="50000"/>
+            </a:schemeClr>
+          </a:lnRef>
+          <a:fillRef idx="1">
+            <a:schemeClr val="accent1"/>
+          </a:fillRef>
+          <a:effectRef idx="0">
+            <a:schemeClr val="accent1"/>
+          </a:effectRef>
+          <a:fontRef idx="minor">
+            <a:schemeClr val="lt1"/>
+          </a:fontRef>
+        </p:style>
+        <p:txBody>
+          <a:bodyPr rtlCol="0" anchor="ctr"/>
+          <a:lstStyle/>
+          <a:p>
+            <a:pPr algn="ctr"/>
+            <a:endParaRPr lang="ko-KR" altLang="en-US"/>
+          </a:p>
+        </p:txBody>
+      </p:sp>
+      <p:sp>
+        <p:nvSpPr>
+          <p:cNvPr id="9" name="직사각형 8"/>
+          <p:cNvSpPr/>
+          <p:nvPr/>
+        </p:nvSpPr>
+        <p:spPr>
+          <a:xfrm>
+            <a:off x="2021833" y="2997200"/>
+            <a:ext cx="1661167" cy="279400"/>
+          </a:xfrm>
+          <a:prstGeom prst="rect">
+            <a:avLst/>
+          </a:prstGeom>
+          <a:noFill/>
+          <a:ln w="38100">
+            <a:solidFill>
+              <a:srgbClr val="FF0000"/>
+            </a:solidFill>
+          </a:ln>
+        </p:spPr>
+        <p:style>
+          <a:lnRef idx="2">
+            <a:schemeClr val="accent1">
+              <a:shade val="50000"/>
+            </a:schemeClr>
+          </a:lnRef>
+          <a:fillRef idx="1">
+            <a:schemeClr val="accent1"/>
+          </a:fillRef>
+          <a:effectRef idx="0">
+            <a:schemeClr val="accent1"/>
+          </a:effectRef>
+          <a:fontRef idx="minor">
+            <a:schemeClr val="lt1"/>
+          </a:fontRef>
+        </p:style>
+        <p:txBody>
+          <a:bodyPr rtlCol="0" anchor="ctr"/>
+          <a:lstStyle/>
+          <a:p>
+            <a:pPr algn="ctr"/>
+            <a:endParaRPr lang="ko-KR" altLang="en-US"/>
+          </a:p>
+        </p:txBody>
+      </p:sp>
+      <p:sp>
+        <p:nvSpPr>
+          <p:cNvPr id="10" name="직사각형 9"/>
+          <p:cNvSpPr/>
+          <p:nvPr/>
+        </p:nvSpPr>
+        <p:spPr>
+          <a:xfrm>
+            <a:off x="10149833" y="3718310"/>
+            <a:ext cx="1457967" cy="256790"/>
+          </a:xfrm>
+          <a:prstGeom prst="rect">
+            <a:avLst/>
+          </a:prstGeom>
+          <a:noFill/>
+          <a:ln w="38100">
+            <a:solidFill>
+              <a:srgbClr val="FF0000"/>
+            </a:solidFill>
+          </a:ln>
+        </p:spPr>
+        <p:style>
+          <a:lnRef idx="2">
+            <a:schemeClr val="accent1">
+              <a:shade val="50000"/>
+            </a:schemeClr>
+          </a:lnRef>
+          <a:fillRef idx="1">
+            <a:schemeClr val="accent1"/>
+          </a:fillRef>
+          <a:effectRef idx="0">
+            <a:schemeClr val="accent1"/>
+          </a:effectRef>
+          <a:fontRef idx="minor">
+            <a:schemeClr val="lt1"/>
+          </a:fontRef>
+        </p:style>
+        <p:txBody>
+          <a:bodyPr rtlCol="0" anchor="ctr"/>
+          <a:lstStyle/>
+          <a:p>
+            <a:pPr algn="ctr"/>
+            <a:endParaRPr lang="ko-KR" altLang="en-US"/>
+          </a:p>
+        </p:txBody>
+      </p:sp>
+    </p:spTree>
+    <p:extLst>
+      <p:ext uri="{BB962C8B-B14F-4D97-AF65-F5344CB8AC3E}">
+        <p14:creationId xmlns:p14="http://schemas.microsoft.com/office/powerpoint/2010/main" val="3724708207"/>
+      </p:ext>
+    </p:extLst>
+  </p:cSld>
+  <p:clrMapOvr>
+    <a:masterClrMapping/>
+  </p:clrMapOvr>
+</p:sld>
+</file>
+
 <file path=ppt/slides/slide3.xml><?xml version="1.0" encoding="utf-8"?>
 <p:sld xmlns:a="http://schemas.openxmlformats.org/drawingml/2006/main" xmlns:r="http://schemas.openxmlformats.org/officeDocument/2006/relationships" xmlns:p="http://schemas.openxmlformats.org/presentationml/2006/main">
   <p:cSld>
@@ -11695,6 +12311,1216 @@
     <p:extLst>
       <p:ext uri="{BB962C8B-B14F-4D97-AF65-F5344CB8AC3E}">
         <p14:creationId xmlns:p14="http://schemas.microsoft.com/office/powerpoint/2010/main" val="2204667401"/>
+      </p:ext>
+    </p:extLst>
+  </p:cSld>
+  <p:clrMapOvr>
+    <a:masterClrMapping/>
+  </p:clrMapOvr>
+</p:sld>
+</file>
+
+<file path=ppt/slides/slide30.xml><?xml version="1.0" encoding="utf-8"?>
+<p:sld xmlns:a="http://schemas.openxmlformats.org/drawingml/2006/main" xmlns:r="http://schemas.openxmlformats.org/officeDocument/2006/relationships" xmlns:p="http://schemas.openxmlformats.org/presentationml/2006/main">
+  <p:cSld>
+    <p:spTree>
+      <p:nvGrpSpPr>
+        <p:cNvPr id="1" name=""/>
+        <p:cNvGrpSpPr/>
+        <p:nvPr/>
+      </p:nvGrpSpPr>
+      <p:grpSpPr>
+        <a:xfrm>
+          <a:off x="0" y="0"/>
+          <a:ext cx="0" cy="0"/>
+          <a:chOff x="0" y="0"/>
+          <a:chExt cx="0" cy="0"/>
+        </a:xfrm>
+      </p:grpSpPr>
+      <p:pic>
+        <p:nvPicPr>
+          <p:cNvPr id="3" name="그림 2"/>
+          <p:cNvPicPr>
+            <a:picLocks noChangeAspect="1"/>
+          </p:cNvPicPr>
+          <p:nvPr/>
+        </p:nvPicPr>
+        <p:blipFill>
+          <a:blip r:embed="rId2"/>
+          <a:stretch>
+            <a:fillRect/>
+          </a:stretch>
+        </p:blipFill>
+        <p:spPr>
+          <a:xfrm>
+            <a:off x="1010641" y="1106021"/>
+            <a:ext cx="6139459" cy="4797949"/>
+          </a:xfrm>
+          <a:prstGeom prst="rect">
+            <a:avLst/>
+          </a:prstGeom>
+        </p:spPr>
+      </p:pic>
+      <p:sp>
+        <p:nvSpPr>
+          <p:cNvPr id="21" name="TextBox 20"/>
+          <p:cNvSpPr txBox="1"/>
+          <p:nvPr/>
+        </p:nvSpPr>
+        <p:spPr>
+          <a:xfrm>
+            <a:off x="242448" y="358449"/>
+            <a:ext cx="1051891" cy="400110"/>
+          </a:xfrm>
+          <a:prstGeom prst="rect">
+            <a:avLst/>
+          </a:prstGeom>
+          <a:noFill/>
+          <a:ln w="38100">
+            <a:solidFill>
+              <a:schemeClr val="tx1"/>
+            </a:solidFill>
+          </a:ln>
+        </p:spPr>
+        <p:txBody>
+          <a:bodyPr wrap="none" rtlCol="0">
+            <a:spAutoFit/>
+          </a:bodyPr>
+          <a:lstStyle/>
+          <a:p>
+            <a:r>
+              <a:rPr lang="en-US" altLang="ko-KR" sz="2000" b="1" dirty="0" smtClean="0"/>
+              <a:t>Git</a:t>
+            </a:r>
+            <a:r>
+              <a:rPr lang="en-US" altLang="ko-KR" sz="2000" b="1" dirty="0" smtClean="0"/>
+              <a:t>Hub</a:t>
+            </a:r>
+            <a:endParaRPr lang="ko-KR" altLang="en-US" sz="2000" b="1" dirty="0"/>
+          </a:p>
+        </p:txBody>
+      </p:sp>
+      <p:sp>
+        <p:nvSpPr>
+          <p:cNvPr id="5" name="TextBox 4"/>
+          <p:cNvSpPr txBox="1"/>
+          <p:nvPr/>
+        </p:nvSpPr>
+        <p:spPr>
+          <a:xfrm>
+            <a:off x="8850583" y="286759"/>
+            <a:ext cx="3142528" cy="400110"/>
+          </a:xfrm>
+          <a:prstGeom prst="rect">
+            <a:avLst/>
+          </a:prstGeom>
+          <a:noFill/>
+          <a:ln w="19050">
+            <a:noFill/>
+          </a:ln>
+        </p:spPr>
+        <p:txBody>
+          <a:bodyPr wrap="none" rtlCol="0">
+            <a:spAutoFit/>
+          </a:bodyPr>
+          <a:lstStyle/>
+          <a:p>
+            <a:pPr algn="r"/>
+            <a:r>
+              <a:rPr lang="en-US" altLang="ko-KR" sz="2000" b="1" dirty="0" smtClean="0">
+                <a:solidFill>
+                  <a:srgbClr val="0070C0"/>
+                </a:solidFill>
+              </a:rPr>
+              <a:t>[</a:t>
+            </a:r>
+            <a:r>
+              <a:rPr lang="ko-KR" altLang="en-US" sz="2000" b="1" dirty="0" smtClean="0">
+                <a:solidFill>
+                  <a:srgbClr val="0070C0"/>
+                </a:solidFill>
+              </a:rPr>
+              <a:t>실습</a:t>
+            </a:r>
+            <a:r>
+              <a:rPr lang="en-US" altLang="ko-KR" sz="2000" b="1" dirty="0" smtClean="0">
+                <a:solidFill>
+                  <a:srgbClr val="0070C0"/>
+                </a:solidFill>
+              </a:rPr>
+              <a:t>6] </a:t>
+            </a:r>
+            <a:r>
+              <a:rPr lang="en-US" altLang="ko-KR" sz="2000" b="1" dirty="0" err="1" smtClean="0">
+                <a:solidFill>
+                  <a:srgbClr val="0070C0"/>
+                </a:solidFill>
+              </a:rPr>
+              <a:t>pr</a:t>
+            </a:r>
+            <a:r>
+              <a:rPr lang="en-US" altLang="ko-KR" sz="2000" b="1" dirty="0" smtClean="0">
+                <a:solidFill>
+                  <a:srgbClr val="0070C0"/>
+                </a:solidFill>
+              </a:rPr>
+              <a:t>(pull requests)</a:t>
+            </a:r>
+            <a:endParaRPr lang="ko-KR" altLang="en-US" sz="2000" dirty="0">
+              <a:solidFill>
+                <a:srgbClr val="0070C0"/>
+              </a:solidFill>
+            </a:endParaRPr>
+          </a:p>
+        </p:txBody>
+      </p:sp>
+      <p:sp>
+        <p:nvSpPr>
+          <p:cNvPr id="9" name="직사각형 8"/>
+          <p:cNvSpPr/>
+          <p:nvPr/>
+        </p:nvSpPr>
+        <p:spPr>
+          <a:xfrm>
+            <a:off x="1489701" y="3276600"/>
+            <a:ext cx="1037600" cy="347462"/>
+          </a:xfrm>
+          <a:prstGeom prst="rect">
+            <a:avLst/>
+          </a:prstGeom>
+          <a:noFill/>
+          <a:ln w="38100">
+            <a:solidFill>
+              <a:srgbClr val="FF0000"/>
+            </a:solidFill>
+          </a:ln>
+        </p:spPr>
+        <p:style>
+          <a:lnRef idx="2">
+            <a:schemeClr val="accent1">
+              <a:shade val="50000"/>
+            </a:schemeClr>
+          </a:lnRef>
+          <a:fillRef idx="1">
+            <a:schemeClr val="accent1"/>
+          </a:fillRef>
+          <a:effectRef idx="0">
+            <a:schemeClr val="accent1"/>
+          </a:effectRef>
+          <a:fontRef idx="minor">
+            <a:schemeClr val="lt1"/>
+          </a:fontRef>
+        </p:style>
+        <p:txBody>
+          <a:bodyPr rtlCol="0" anchor="ctr"/>
+          <a:lstStyle/>
+          <a:p>
+            <a:pPr algn="ctr"/>
+            <a:endParaRPr lang="ko-KR" altLang="en-US"/>
+          </a:p>
+        </p:txBody>
+      </p:sp>
+      <p:sp>
+        <p:nvSpPr>
+          <p:cNvPr id="10" name="직사각형 9"/>
+          <p:cNvSpPr/>
+          <p:nvPr/>
+        </p:nvSpPr>
+        <p:spPr>
+          <a:xfrm>
+            <a:off x="5704833" y="5369310"/>
+            <a:ext cx="1343667" cy="256790"/>
+          </a:xfrm>
+          <a:prstGeom prst="rect">
+            <a:avLst/>
+          </a:prstGeom>
+          <a:noFill/>
+          <a:ln w="38100">
+            <a:solidFill>
+              <a:srgbClr val="FF0000"/>
+            </a:solidFill>
+          </a:ln>
+        </p:spPr>
+        <p:style>
+          <a:lnRef idx="2">
+            <a:schemeClr val="accent1">
+              <a:shade val="50000"/>
+            </a:schemeClr>
+          </a:lnRef>
+          <a:fillRef idx="1">
+            <a:schemeClr val="accent1"/>
+          </a:fillRef>
+          <a:effectRef idx="0">
+            <a:schemeClr val="accent1"/>
+          </a:effectRef>
+          <a:fontRef idx="minor">
+            <a:schemeClr val="lt1"/>
+          </a:fontRef>
+        </p:style>
+        <p:txBody>
+          <a:bodyPr rtlCol="0" anchor="ctr"/>
+          <a:lstStyle/>
+          <a:p>
+            <a:pPr algn="ctr"/>
+            <a:endParaRPr lang="ko-KR" altLang="en-US"/>
+          </a:p>
+        </p:txBody>
+      </p:sp>
+    </p:spTree>
+    <p:extLst>
+      <p:ext uri="{BB962C8B-B14F-4D97-AF65-F5344CB8AC3E}">
+        <p14:creationId xmlns:p14="http://schemas.microsoft.com/office/powerpoint/2010/main" val="2015060461"/>
+      </p:ext>
+    </p:extLst>
+  </p:cSld>
+  <p:clrMapOvr>
+    <a:masterClrMapping/>
+  </p:clrMapOvr>
+</p:sld>
+</file>
+
+<file path=ppt/slides/slide31.xml><?xml version="1.0" encoding="utf-8"?>
+<p:sld xmlns:a="http://schemas.openxmlformats.org/drawingml/2006/main" xmlns:r="http://schemas.openxmlformats.org/officeDocument/2006/relationships" xmlns:p="http://schemas.openxmlformats.org/presentationml/2006/main">
+  <p:cSld>
+    <p:spTree>
+      <p:nvGrpSpPr>
+        <p:cNvPr id="1" name=""/>
+        <p:cNvGrpSpPr/>
+        <p:nvPr/>
+      </p:nvGrpSpPr>
+      <p:grpSpPr>
+        <a:xfrm>
+          <a:off x="0" y="0"/>
+          <a:ext cx="0" cy="0"/>
+          <a:chOff x="0" y="0"/>
+          <a:chExt cx="0" cy="0"/>
+        </a:xfrm>
+      </p:grpSpPr>
+      <p:pic>
+        <p:nvPicPr>
+          <p:cNvPr id="4" name="그림 3"/>
+          <p:cNvPicPr>
+            <a:picLocks noChangeAspect="1"/>
+          </p:cNvPicPr>
+          <p:nvPr/>
+        </p:nvPicPr>
+        <p:blipFill>
+          <a:blip r:embed="rId2"/>
+          <a:stretch>
+            <a:fillRect/>
+          </a:stretch>
+        </p:blipFill>
+        <p:spPr>
+          <a:xfrm>
+            <a:off x="628057" y="1276691"/>
+            <a:ext cx="5848943" cy="5081761"/>
+          </a:xfrm>
+          <a:prstGeom prst="rect">
+            <a:avLst/>
+          </a:prstGeom>
+        </p:spPr>
+      </p:pic>
+      <p:sp>
+        <p:nvSpPr>
+          <p:cNvPr id="21" name="TextBox 20"/>
+          <p:cNvSpPr txBox="1"/>
+          <p:nvPr/>
+        </p:nvSpPr>
+        <p:spPr>
+          <a:xfrm>
+            <a:off x="242448" y="358449"/>
+            <a:ext cx="1051891" cy="400110"/>
+          </a:xfrm>
+          <a:prstGeom prst="rect">
+            <a:avLst/>
+          </a:prstGeom>
+          <a:noFill/>
+          <a:ln w="38100">
+            <a:solidFill>
+              <a:schemeClr val="tx1"/>
+            </a:solidFill>
+          </a:ln>
+        </p:spPr>
+        <p:txBody>
+          <a:bodyPr wrap="none" rtlCol="0">
+            <a:spAutoFit/>
+          </a:bodyPr>
+          <a:lstStyle/>
+          <a:p>
+            <a:r>
+              <a:rPr lang="en-US" altLang="ko-KR" sz="2000" b="1" dirty="0" smtClean="0"/>
+              <a:t>Git</a:t>
+            </a:r>
+            <a:r>
+              <a:rPr lang="en-US" altLang="ko-KR" sz="2000" b="1" dirty="0" smtClean="0"/>
+              <a:t>Hub</a:t>
+            </a:r>
+            <a:endParaRPr lang="ko-KR" altLang="en-US" sz="2000" b="1" dirty="0"/>
+          </a:p>
+        </p:txBody>
+      </p:sp>
+      <p:sp>
+        <p:nvSpPr>
+          <p:cNvPr id="5" name="TextBox 4"/>
+          <p:cNvSpPr txBox="1"/>
+          <p:nvPr/>
+        </p:nvSpPr>
+        <p:spPr>
+          <a:xfrm>
+            <a:off x="8850583" y="286759"/>
+            <a:ext cx="3142528" cy="400110"/>
+          </a:xfrm>
+          <a:prstGeom prst="rect">
+            <a:avLst/>
+          </a:prstGeom>
+          <a:noFill/>
+          <a:ln w="19050">
+            <a:noFill/>
+          </a:ln>
+        </p:spPr>
+        <p:txBody>
+          <a:bodyPr wrap="none" rtlCol="0">
+            <a:spAutoFit/>
+          </a:bodyPr>
+          <a:lstStyle/>
+          <a:p>
+            <a:pPr algn="r"/>
+            <a:r>
+              <a:rPr lang="en-US" altLang="ko-KR" sz="2000" b="1" dirty="0" smtClean="0">
+                <a:solidFill>
+                  <a:srgbClr val="0070C0"/>
+                </a:solidFill>
+              </a:rPr>
+              <a:t>[</a:t>
+            </a:r>
+            <a:r>
+              <a:rPr lang="ko-KR" altLang="en-US" sz="2000" b="1" dirty="0" smtClean="0">
+                <a:solidFill>
+                  <a:srgbClr val="0070C0"/>
+                </a:solidFill>
+              </a:rPr>
+              <a:t>실습</a:t>
+            </a:r>
+            <a:r>
+              <a:rPr lang="en-US" altLang="ko-KR" sz="2000" b="1" dirty="0" smtClean="0">
+                <a:solidFill>
+                  <a:srgbClr val="0070C0"/>
+                </a:solidFill>
+              </a:rPr>
+              <a:t>6] </a:t>
+            </a:r>
+            <a:r>
+              <a:rPr lang="en-US" altLang="ko-KR" sz="2000" b="1" dirty="0" err="1" smtClean="0">
+                <a:solidFill>
+                  <a:srgbClr val="0070C0"/>
+                </a:solidFill>
+              </a:rPr>
+              <a:t>pr</a:t>
+            </a:r>
+            <a:r>
+              <a:rPr lang="en-US" altLang="ko-KR" sz="2000" b="1" dirty="0" smtClean="0">
+                <a:solidFill>
+                  <a:srgbClr val="0070C0"/>
+                </a:solidFill>
+              </a:rPr>
+              <a:t>(pull requests)</a:t>
+            </a:r>
+            <a:endParaRPr lang="ko-KR" altLang="en-US" sz="2000" dirty="0">
+              <a:solidFill>
+                <a:srgbClr val="0070C0"/>
+              </a:solidFill>
+            </a:endParaRPr>
+          </a:p>
+        </p:txBody>
+      </p:sp>
+      <p:sp>
+        <p:nvSpPr>
+          <p:cNvPr id="9" name="직사각형 8"/>
+          <p:cNvSpPr/>
+          <p:nvPr/>
+        </p:nvSpPr>
+        <p:spPr>
+          <a:xfrm>
+            <a:off x="1240068" y="6133921"/>
+            <a:ext cx="1223732" cy="224531"/>
+          </a:xfrm>
+          <a:prstGeom prst="rect">
+            <a:avLst/>
+          </a:prstGeom>
+          <a:noFill/>
+          <a:ln w="38100">
+            <a:solidFill>
+              <a:srgbClr val="FF0000"/>
+            </a:solidFill>
+          </a:ln>
+        </p:spPr>
+        <p:style>
+          <a:lnRef idx="2">
+            <a:schemeClr val="accent1">
+              <a:shade val="50000"/>
+            </a:schemeClr>
+          </a:lnRef>
+          <a:fillRef idx="1">
+            <a:schemeClr val="accent1"/>
+          </a:fillRef>
+          <a:effectRef idx="0">
+            <a:schemeClr val="accent1"/>
+          </a:effectRef>
+          <a:fontRef idx="minor">
+            <a:schemeClr val="lt1"/>
+          </a:fontRef>
+        </p:style>
+        <p:txBody>
+          <a:bodyPr rtlCol="0" anchor="ctr"/>
+          <a:lstStyle/>
+          <a:p>
+            <a:pPr algn="ctr"/>
+            <a:endParaRPr lang="ko-KR" altLang="en-US"/>
+          </a:p>
+        </p:txBody>
+      </p:sp>
+      <p:sp>
+        <p:nvSpPr>
+          <p:cNvPr id="10" name="직사각형 9"/>
+          <p:cNvSpPr/>
+          <p:nvPr/>
+        </p:nvSpPr>
+        <p:spPr>
+          <a:xfrm>
+            <a:off x="628057" y="1276690"/>
+            <a:ext cx="3258143" cy="374309"/>
+          </a:xfrm>
+          <a:prstGeom prst="rect">
+            <a:avLst/>
+          </a:prstGeom>
+          <a:noFill/>
+          <a:ln w="38100">
+            <a:solidFill>
+              <a:srgbClr val="FF0000"/>
+            </a:solidFill>
+          </a:ln>
+        </p:spPr>
+        <p:style>
+          <a:lnRef idx="2">
+            <a:schemeClr val="accent1">
+              <a:shade val="50000"/>
+            </a:schemeClr>
+          </a:lnRef>
+          <a:fillRef idx="1">
+            <a:schemeClr val="accent1"/>
+          </a:fillRef>
+          <a:effectRef idx="0">
+            <a:schemeClr val="accent1"/>
+          </a:effectRef>
+          <a:fontRef idx="minor">
+            <a:schemeClr val="lt1"/>
+          </a:fontRef>
+        </p:style>
+        <p:txBody>
+          <a:bodyPr rtlCol="0" anchor="ctr"/>
+          <a:lstStyle/>
+          <a:p>
+            <a:pPr algn="ctr"/>
+            <a:endParaRPr lang="ko-KR" altLang="en-US"/>
+          </a:p>
+        </p:txBody>
+      </p:sp>
+      <p:sp>
+        <p:nvSpPr>
+          <p:cNvPr id="2" name="TextBox 1"/>
+          <p:cNvSpPr txBox="1"/>
+          <p:nvPr/>
+        </p:nvSpPr>
+        <p:spPr>
+          <a:xfrm>
+            <a:off x="7391400" y="5923020"/>
+            <a:ext cx="4027064" cy="646331"/>
+          </a:xfrm>
+          <a:prstGeom prst="rect">
+            <a:avLst/>
+          </a:prstGeom>
+          <a:noFill/>
+        </p:spPr>
+        <p:txBody>
+          <a:bodyPr wrap="none" rtlCol="0">
+            <a:spAutoFit/>
+          </a:bodyPr>
+          <a:lstStyle/>
+          <a:p>
+            <a:r>
+              <a:rPr lang="en-US" altLang="ko-KR" dirty="0" smtClean="0"/>
+              <a:t>Merge pull request</a:t>
+            </a:r>
+          </a:p>
+          <a:p>
+            <a:r>
+              <a:rPr lang="en-US" altLang="ko-KR" dirty="0" smtClean="0"/>
+              <a:t>=&gt; </a:t>
+            </a:r>
+            <a:r>
+              <a:rPr lang="ko-KR" altLang="en-US" dirty="0" smtClean="0"/>
+              <a:t>원격은 적용되지만</a:t>
+            </a:r>
+            <a:r>
+              <a:rPr lang="en-US" altLang="ko-KR" dirty="0" smtClean="0"/>
+              <a:t>, </a:t>
+            </a:r>
+            <a:r>
+              <a:rPr lang="ko-KR" altLang="en-US" dirty="0" smtClean="0"/>
+              <a:t>로컬은 적용</a:t>
+            </a:r>
+            <a:r>
+              <a:rPr lang="en-US" altLang="ko-KR" dirty="0" smtClean="0"/>
+              <a:t>X</a:t>
+            </a:r>
+            <a:endParaRPr lang="ko-KR" altLang="en-US" dirty="0"/>
+          </a:p>
+        </p:txBody>
+      </p:sp>
+      <p:sp>
+        <p:nvSpPr>
+          <p:cNvPr id="11" name="직사각형 10"/>
+          <p:cNvSpPr/>
+          <p:nvPr/>
+        </p:nvSpPr>
+        <p:spPr>
+          <a:xfrm>
+            <a:off x="1110657" y="2625710"/>
+            <a:ext cx="1073743" cy="374309"/>
+          </a:xfrm>
+          <a:prstGeom prst="rect">
+            <a:avLst/>
+          </a:prstGeom>
+          <a:noFill/>
+          <a:ln w="38100">
+            <a:solidFill>
+              <a:srgbClr val="FF0000"/>
+            </a:solidFill>
+          </a:ln>
+        </p:spPr>
+        <p:style>
+          <a:lnRef idx="2">
+            <a:schemeClr val="accent1">
+              <a:shade val="50000"/>
+            </a:schemeClr>
+          </a:lnRef>
+          <a:fillRef idx="1">
+            <a:schemeClr val="accent1"/>
+          </a:fillRef>
+          <a:effectRef idx="0">
+            <a:schemeClr val="accent1"/>
+          </a:effectRef>
+          <a:fontRef idx="minor">
+            <a:schemeClr val="lt1"/>
+          </a:fontRef>
+        </p:style>
+        <p:txBody>
+          <a:bodyPr rtlCol="0" anchor="ctr"/>
+          <a:lstStyle/>
+          <a:p>
+            <a:pPr algn="ctr"/>
+            <a:endParaRPr lang="ko-KR" altLang="en-US"/>
+          </a:p>
+        </p:txBody>
+      </p:sp>
+      <p:cxnSp>
+        <p:nvCxnSpPr>
+          <p:cNvPr id="12" name="직선 화살표 연결선 11"/>
+          <p:cNvCxnSpPr>
+            <a:stCxn id="9" idx="3"/>
+            <a:endCxn id="2" idx="1"/>
+          </p:cNvCxnSpPr>
+          <p:nvPr/>
+        </p:nvCxnSpPr>
+        <p:spPr>
+          <a:xfrm flipV="1">
+            <a:off x="2463800" y="6246186"/>
+            <a:ext cx="4927600" cy="1"/>
+          </a:xfrm>
+          <a:prstGeom prst="straightConnector1">
+            <a:avLst/>
+          </a:prstGeom>
+          <a:ln w="19050">
+            <a:solidFill>
+              <a:srgbClr val="FF0000"/>
+            </a:solidFill>
+            <a:tailEnd type="triangle"/>
+          </a:ln>
+        </p:spPr>
+        <p:style>
+          <a:lnRef idx="1">
+            <a:schemeClr val="accent1"/>
+          </a:lnRef>
+          <a:fillRef idx="0">
+            <a:schemeClr val="accent1"/>
+          </a:fillRef>
+          <a:effectRef idx="0">
+            <a:schemeClr val="accent1"/>
+          </a:effectRef>
+          <a:fontRef idx="minor">
+            <a:schemeClr val="tx1"/>
+          </a:fontRef>
+        </p:style>
+      </p:cxnSp>
+      <p:sp>
+        <p:nvSpPr>
+          <p:cNvPr id="16" name="TextBox 15"/>
+          <p:cNvSpPr txBox="1"/>
+          <p:nvPr/>
+        </p:nvSpPr>
+        <p:spPr>
+          <a:xfrm>
+            <a:off x="7391400" y="4132320"/>
+            <a:ext cx="3348994" cy="646331"/>
+          </a:xfrm>
+          <a:prstGeom prst="rect">
+            <a:avLst/>
+          </a:prstGeom>
+          <a:noFill/>
+        </p:spPr>
+        <p:txBody>
+          <a:bodyPr wrap="none" rtlCol="0">
+            <a:spAutoFit/>
+          </a:bodyPr>
+          <a:lstStyle/>
+          <a:p>
+            <a:r>
+              <a:rPr lang="en-US" altLang="ko-KR" dirty="0" smtClean="0"/>
+              <a:t>PR </a:t>
+            </a:r>
+            <a:r>
+              <a:rPr lang="ko-KR" altLang="en-US" dirty="0" smtClean="0"/>
+              <a:t>가능하면 초록색</a:t>
+            </a:r>
+            <a:r>
+              <a:rPr lang="en-US" altLang="ko-KR" dirty="0" smtClean="0"/>
+              <a:t>, </a:t>
+            </a:r>
+          </a:p>
+          <a:p>
+            <a:r>
+              <a:rPr lang="ko-KR" altLang="en-US" dirty="0" smtClean="0"/>
+              <a:t>불가능하면 빨간색으로 표시됨</a:t>
+            </a:r>
+            <a:endParaRPr lang="ko-KR" altLang="en-US" dirty="0"/>
+          </a:p>
+        </p:txBody>
+      </p:sp>
+      <p:sp>
+        <p:nvSpPr>
+          <p:cNvPr id="18" name="직사각형 17"/>
+          <p:cNvSpPr/>
+          <p:nvPr/>
+        </p:nvSpPr>
+        <p:spPr>
+          <a:xfrm>
+            <a:off x="1161456" y="5129215"/>
+            <a:ext cx="3181943" cy="892441"/>
+          </a:xfrm>
+          <a:prstGeom prst="rect">
+            <a:avLst/>
+          </a:prstGeom>
+          <a:noFill/>
+          <a:ln w="38100">
+            <a:solidFill>
+              <a:srgbClr val="FF0000"/>
+            </a:solidFill>
+          </a:ln>
+        </p:spPr>
+        <p:style>
+          <a:lnRef idx="2">
+            <a:schemeClr val="accent1">
+              <a:shade val="50000"/>
+            </a:schemeClr>
+          </a:lnRef>
+          <a:fillRef idx="1">
+            <a:schemeClr val="accent1"/>
+          </a:fillRef>
+          <a:effectRef idx="0">
+            <a:schemeClr val="accent1"/>
+          </a:effectRef>
+          <a:fontRef idx="minor">
+            <a:schemeClr val="lt1"/>
+          </a:fontRef>
+        </p:style>
+        <p:txBody>
+          <a:bodyPr rtlCol="0" anchor="ctr"/>
+          <a:lstStyle/>
+          <a:p>
+            <a:pPr algn="ctr"/>
+            <a:endParaRPr lang="ko-KR" altLang="en-US"/>
+          </a:p>
+        </p:txBody>
+      </p:sp>
+      <p:cxnSp>
+        <p:nvCxnSpPr>
+          <p:cNvPr id="19" name="직선 화살표 연결선 18"/>
+          <p:cNvCxnSpPr>
+            <a:stCxn id="18" idx="3"/>
+            <a:endCxn id="16" idx="1"/>
+          </p:cNvCxnSpPr>
+          <p:nvPr/>
+        </p:nvCxnSpPr>
+        <p:spPr>
+          <a:xfrm flipV="1">
+            <a:off x="4343399" y="4455486"/>
+            <a:ext cx="3048001" cy="1119950"/>
+          </a:xfrm>
+          <a:prstGeom prst="straightConnector1">
+            <a:avLst/>
+          </a:prstGeom>
+          <a:ln w="19050">
+            <a:solidFill>
+              <a:srgbClr val="FF0000"/>
+            </a:solidFill>
+            <a:tailEnd type="triangle"/>
+          </a:ln>
+        </p:spPr>
+        <p:style>
+          <a:lnRef idx="1">
+            <a:schemeClr val="accent1"/>
+          </a:lnRef>
+          <a:fillRef idx="0">
+            <a:schemeClr val="accent1"/>
+          </a:fillRef>
+          <a:effectRef idx="0">
+            <a:schemeClr val="accent1"/>
+          </a:effectRef>
+          <a:fontRef idx="minor">
+            <a:schemeClr val="tx1"/>
+          </a:fontRef>
+        </p:style>
+      </p:cxnSp>
+    </p:spTree>
+    <p:extLst>
+      <p:ext uri="{BB962C8B-B14F-4D97-AF65-F5344CB8AC3E}">
+        <p14:creationId xmlns:p14="http://schemas.microsoft.com/office/powerpoint/2010/main" val="73927627"/>
+      </p:ext>
+    </p:extLst>
+  </p:cSld>
+  <p:clrMapOvr>
+    <a:masterClrMapping/>
+  </p:clrMapOvr>
+</p:sld>
+</file>
+
+<file path=ppt/slides/slide32.xml><?xml version="1.0" encoding="utf-8"?>
+<p:sld xmlns:a="http://schemas.openxmlformats.org/drawingml/2006/main" xmlns:r="http://schemas.openxmlformats.org/officeDocument/2006/relationships" xmlns:p="http://schemas.openxmlformats.org/presentationml/2006/main">
+  <p:cSld>
+    <p:spTree>
+      <p:nvGrpSpPr>
+        <p:cNvPr id="1" name=""/>
+        <p:cNvGrpSpPr/>
+        <p:nvPr/>
+      </p:nvGrpSpPr>
+      <p:grpSpPr>
+        <a:xfrm>
+          <a:off x="0" y="0"/>
+          <a:ext cx="0" cy="0"/>
+          <a:chOff x="0" y="0"/>
+          <a:chExt cx="0" cy="0"/>
+        </a:xfrm>
+      </p:grpSpPr>
+      <p:pic>
+        <p:nvPicPr>
+          <p:cNvPr id="3" name="그림 2"/>
+          <p:cNvPicPr>
+            <a:picLocks noChangeAspect="1"/>
+          </p:cNvPicPr>
+          <p:nvPr/>
+        </p:nvPicPr>
+        <p:blipFill>
+          <a:blip r:embed="rId2"/>
+          <a:stretch>
+            <a:fillRect/>
+          </a:stretch>
+        </p:blipFill>
+        <p:spPr>
+          <a:xfrm>
+            <a:off x="1866309" y="2195340"/>
+            <a:ext cx="8459381" cy="2467319"/>
+          </a:xfrm>
+          <a:prstGeom prst="rect">
+            <a:avLst/>
+          </a:prstGeom>
+        </p:spPr>
+      </p:pic>
+      <p:sp>
+        <p:nvSpPr>
+          <p:cNvPr id="21" name="TextBox 20"/>
+          <p:cNvSpPr txBox="1"/>
+          <p:nvPr/>
+        </p:nvSpPr>
+        <p:spPr>
+          <a:xfrm>
+            <a:off x="242448" y="358449"/>
+            <a:ext cx="1051891" cy="400110"/>
+          </a:xfrm>
+          <a:prstGeom prst="rect">
+            <a:avLst/>
+          </a:prstGeom>
+          <a:noFill/>
+          <a:ln w="38100">
+            <a:solidFill>
+              <a:schemeClr val="tx1"/>
+            </a:solidFill>
+          </a:ln>
+        </p:spPr>
+        <p:txBody>
+          <a:bodyPr wrap="none" rtlCol="0">
+            <a:spAutoFit/>
+          </a:bodyPr>
+          <a:lstStyle/>
+          <a:p>
+            <a:r>
+              <a:rPr lang="en-US" altLang="ko-KR" sz="2000" b="1" dirty="0" smtClean="0"/>
+              <a:t>Git</a:t>
+            </a:r>
+            <a:r>
+              <a:rPr lang="en-US" altLang="ko-KR" sz="2000" b="1" dirty="0" smtClean="0"/>
+              <a:t>Hub</a:t>
+            </a:r>
+            <a:endParaRPr lang="ko-KR" altLang="en-US" sz="2000" b="1" dirty="0"/>
+          </a:p>
+        </p:txBody>
+      </p:sp>
+      <p:sp>
+        <p:nvSpPr>
+          <p:cNvPr id="5" name="TextBox 4"/>
+          <p:cNvSpPr txBox="1"/>
+          <p:nvPr/>
+        </p:nvSpPr>
+        <p:spPr>
+          <a:xfrm>
+            <a:off x="8850583" y="286759"/>
+            <a:ext cx="3142528" cy="400110"/>
+          </a:xfrm>
+          <a:prstGeom prst="rect">
+            <a:avLst/>
+          </a:prstGeom>
+          <a:noFill/>
+          <a:ln w="19050">
+            <a:noFill/>
+          </a:ln>
+        </p:spPr>
+        <p:txBody>
+          <a:bodyPr wrap="none" rtlCol="0">
+            <a:spAutoFit/>
+          </a:bodyPr>
+          <a:lstStyle/>
+          <a:p>
+            <a:pPr algn="r"/>
+            <a:r>
+              <a:rPr lang="en-US" altLang="ko-KR" sz="2000" b="1" dirty="0" smtClean="0">
+                <a:solidFill>
+                  <a:srgbClr val="0070C0"/>
+                </a:solidFill>
+              </a:rPr>
+              <a:t>[</a:t>
+            </a:r>
+            <a:r>
+              <a:rPr lang="ko-KR" altLang="en-US" sz="2000" b="1" dirty="0" smtClean="0">
+                <a:solidFill>
+                  <a:srgbClr val="0070C0"/>
+                </a:solidFill>
+              </a:rPr>
+              <a:t>실습</a:t>
+            </a:r>
+            <a:r>
+              <a:rPr lang="en-US" altLang="ko-KR" sz="2000" b="1" dirty="0" smtClean="0">
+                <a:solidFill>
+                  <a:srgbClr val="0070C0"/>
+                </a:solidFill>
+              </a:rPr>
+              <a:t>6] </a:t>
+            </a:r>
+            <a:r>
+              <a:rPr lang="en-US" altLang="ko-KR" sz="2000" b="1" dirty="0" err="1" smtClean="0">
+                <a:solidFill>
+                  <a:srgbClr val="0070C0"/>
+                </a:solidFill>
+              </a:rPr>
+              <a:t>pr</a:t>
+            </a:r>
+            <a:r>
+              <a:rPr lang="en-US" altLang="ko-KR" sz="2000" b="1" dirty="0" smtClean="0">
+                <a:solidFill>
+                  <a:srgbClr val="0070C0"/>
+                </a:solidFill>
+              </a:rPr>
+              <a:t>(pull requests)</a:t>
+            </a:r>
+            <a:endParaRPr lang="ko-KR" altLang="en-US" sz="2000" dirty="0">
+              <a:solidFill>
+                <a:srgbClr val="0070C0"/>
+              </a:solidFill>
+            </a:endParaRPr>
+          </a:p>
+        </p:txBody>
+      </p:sp>
+      <p:sp>
+        <p:nvSpPr>
+          <p:cNvPr id="11" name="직사각형 10"/>
+          <p:cNvSpPr/>
+          <p:nvPr/>
+        </p:nvSpPr>
+        <p:spPr>
+          <a:xfrm>
+            <a:off x="2799757" y="4240369"/>
+            <a:ext cx="1188043" cy="268131"/>
+          </a:xfrm>
+          <a:prstGeom prst="rect">
+            <a:avLst/>
+          </a:prstGeom>
+          <a:noFill/>
+          <a:ln w="38100">
+            <a:solidFill>
+              <a:srgbClr val="FF0000"/>
+            </a:solidFill>
+          </a:ln>
+        </p:spPr>
+        <p:style>
+          <a:lnRef idx="2">
+            <a:schemeClr val="accent1">
+              <a:shade val="50000"/>
+            </a:schemeClr>
+          </a:lnRef>
+          <a:fillRef idx="1">
+            <a:schemeClr val="accent1"/>
+          </a:fillRef>
+          <a:effectRef idx="0">
+            <a:schemeClr val="accent1"/>
+          </a:effectRef>
+          <a:fontRef idx="minor">
+            <a:schemeClr val="lt1"/>
+          </a:fontRef>
+        </p:style>
+        <p:txBody>
+          <a:bodyPr rtlCol="0" anchor="ctr"/>
+          <a:lstStyle/>
+          <a:p>
+            <a:pPr algn="ctr"/>
+            <a:endParaRPr lang="ko-KR" altLang="en-US"/>
+          </a:p>
+        </p:txBody>
+      </p:sp>
+    </p:spTree>
+    <p:extLst>
+      <p:ext uri="{BB962C8B-B14F-4D97-AF65-F5344CB8AC3E}">
+        <p14:creationId xmlns:p14="http://schemas.microsoft.com/office/powerpoint/2010/main" val="732746209"/>
+      </p:ext>
+    </p:extLst>
+  </p:cSld>
+  <p:clrMapOvr>
+    <a:masterClrMapping/>
+  </p:clrMapOvr>
+</p:sld>
+</file>
+
+<file path=ppt/slides/slide33.xml><?xml version="1.0" encoding="utf-8"?>
+<p:sld xmlns:a="http://schemas.openxmlformats.org/drawingml/2006/main" xmlns:r="http://schemas.openxmlformats.org/officeDocument/2006/relationships" xmlns:p="http://schemas.openxmlformats.org/presentationml/2006/main">
+  <p:cSld>
+    <p:spTree>
+      <p:nvGrpSpPr>
+        <p:cNvPr id="1" name=""/>
+        <p:cNvGrpSpPr/>
+        <p:nvPr/>
+      </p:nvGrpSpPr>
+      <p:grpSpPr>
+        <a:xfrm>
+          <a:off x="0" y="0"/>
+          <a:ext cx="0" cy="0"/>
+          <a:chOff x="0" y="0"/>
+          <a:chExt cx="0" cy="0"/>
+        </a:xfrm>
+      </p:grpSpPr>
+      <p:pic>
+        <p:nvPicPr>
+          <p:cNvPr id="3" name="그림 2"/>
+          <p:cNvPicPr>
+            <a:picLocks noChangeAspect="1"/>
+          </p:cNvPicPr>
+          <p:nvPr/>
+        </p:nvPicPr>
+        <p:blipFill>
+          <a:blip r:embed="rId2"/>
+          <a:stretch>
+            <a:fillRect/>
+          </a:stretch>
+        </p:blipFill>
+        <p:spPr>
+          <a:xfrm>
+            <a:off x="1866309" y="2195340"/>
+            <a:ext cx="8459381" cy="2467319"/>
+          </a:xfrm>
+          <a:prstGeom prst="rect">
+            <a:avLst/>
+          </a:prstGeom>
+        </p:spPr>
+      </p:pic>
+      <p:sp>
+        <p:nvSpPr>
+          <p:cNvPr id="21" name="TextBox 20"/>
+          <p:cNvSpPr txBox="1"/>
+          <p:nvPr/>
+        </p:nvSpPr>
+        <p:spPr>
+          <a:xfrm>
+            <a:off x="242448" y="358449"/>
+            <a:ext cx="1051891" cy="400110"/>
+          </a:xfrm>
+          <a:prstGeom prst="rect">
+            <a:avLst/>
+          </a:prstGeom>
+          <a:noFill/>
+          <a:ln w="38100">
+            <a:solidFill>
+              <a:schemeClr val="tx1"/>
+            </a:solidFill>
+          </a:ln>
+        </p:spPr>
+        <p:txBody>
+          <a:bodyPr wrap="none" rtlCol="0">
+            <a:spAutoFit/>
+          </a:bodyPr>
+          <a:lstStyle/>
+          <a:p>
+            <a:r>
+              <a:rPr lang="en-US" altLang="ko-KR" sz="2000" b="1" dirty="0" smtClean="0"/>
+              <a:t>Git</a:t>
+            </a:r>
+            <a:r>
+              <a:rPr lang="en-US" altLang="ko-KR" sz="2000" b="1" dirty="0" smtClean="0"/>
+              <a:t>Hub</a:t>
+            </a:r>
+            <a:endParaRPr lang="ko-KR" altLang="en-US" sz="2000" b="1" dirty="0"/>
+          </a:p>
+        </p:txBody>
+      </p:sp>
+      <p:sp>
+        <p:nvSpPr>
+          <p:cNvPr id="5" name="TextBox 4"/>
+          <p:cNvSpPr txBox="1"/>
+          <p:nvPr/>
+        </p:nvSpPr>
+        <p:spPr>
+          <a:xfrm>
+            <a:off x="8850583" y="286759"/>
+            <a:ext cx="3142528" cy="400110"/>
+          </a:xfrm>
+          <a:prstGeom prst="rect">
+            <a:avLst/>
+          </a:prstGeom>
+          <a:noFill/>
+          <a:ln w="19050">
+            <a:noFill/>
+          </a:ln>
+        </p:spPr>
+        <p:txBody>
+          <a:bodyPr wrap="none" rtlCol="0">
+            <a:spAutoFit/>
+          </a:bodyPr>
+          <a:lstStyle/>
+          <a:p>
+            <a:pPr algn="r"/>
+            <a:r>
+              <a:rPr lang="en-US" altLang="ko-KR" sz="2000" b="1" dirty="0" smtClean="0">
+                <a:solidFill>
+                  <a:srgbClr val="0070C0"/>
+                </a:solidFill>
+              </a:rPr>
+              <a:t>[</a:t>
+            </a:r>
+            <a:r>
+              <a:rPr lang="ko-KR" altLang="en-US" sz="2000" b="1" dirty="0" smtClean="0">
+                <a:solidFill>
+                  <a:srgbClr val="0070C0"/>
+                </a:solidFill>
+              </a:rPr>
+              <a:t>실습</a:t>
+            </a:r>
+            <a:r>
+              <a:rPr lang="en-US" altLang="ko-KR" sz="2000" b="1" dirty="0" smtClean="0">
+                <a:solidFill>
+                  <a:srgbClr val="0070C0"/>
+                </a:solidFill>
+              </a:rPr>
+              <a:t>6] </a:t>
+            </a:r>
+            <a:r>
+              <a:rPr lang="en-US" altLang="ko-KR" sz="2000" b="1" dirty="0" err="1" smtClean="0">
+                <a:solidFill>
+                  <a:srgbClr val="0070C0"/>
+                </a:solidFill>
+              </a:rPr>
+              <a:t>pr</a:t>
+            </a:r>
+            <a:r>
+              <a:rPr lang="en-US" altLang="ko-KR" sz="2000" b="1" dirty="0" smtClean="0">
+                <a:solidFill>
+                  <a:srgbClr val="0070C0"/>
+                </a:solidFill>
+              </a:rPr>
+              <a:t>(pull requests)</a:t>
+            </a:r>
+            <a:endParaRPr lang="ko-KR" altLang="en-US" sz="2000" dirty="0">
+              <a:solidFill>
+                <a:srgbClr val="0070C0"/>
+              </a:solidFill>
+            </a:endParaRPr>
+          </a:p>
+        </p:txBody>
+      </p:sp>
+      <p:sp>
+        <p:nvSpPr>
+          <p:cNvPr id="11" name="직사각형 10"/>
+          <p:cNvSpPr/>
+          <p:nvPr/>
+        </p:nvSpPr>
+        <p:spPr>
+          <a:xfrm>
+            <a:off x="2799757" y="4240369"/>
+            <a:ext cx="1188043" cy="268131"/>
+          </a:xfrm>
+          <a:prstGeom prst="rect">
+            <a:avLst/>
+          </a:prstGeom>
+          <a:noFill/>
+          <a:ln w="38100">
+            <a:solidFill>
+              <a:srgbClr val="FF0000"/>
+            </a:solidFill>
+          </a:ln>
+        </p:spPr>
+        <p:style>
+          <a:lnRef idx="2">
+            <a:schemeClr val="accent1">
+              <a:shade val="50000"/>
+            </a:schemeClr>
+          </a:lnRef>
+          <a:fillRef idx="1">
+            <a:schemeClr val="accent1"/>
+          </a:fillRef>
+          <a:effectRef idx="0">
+            <a:schemeClr val="accent1"/>
+          </a:effectRef>
+          <a:fontRef idx="minor">
+            <a:schemeClr val="lt1"/>
+          </a:fontRef>
+        </p:style>
+        <p:txBody>
+          <a:bodyPr rtlCol="0" anchor="ctr"/>
+          <a:lstStyle/>
+          <a:p>
+            <a:pPr algn="ctr"/>
+            <a:endParaRPr lang="ko-KR" altLang="en-US"/>
+          </a:p>
+        </p:txBody>
+      </p:sp>
+    </p:spTree>
+    <p:extLst>
+      <p:ext uri="{BB962C8B-B14F-4D97-AF65-F5344CB8AC3E}">
+        <p14:creationId xmlns:p14="http://schemas.microsoft.com/office/powerpoint/2010/main" val="780122064"/>
       </p:ext>
     </p:extLst>
   </p:cSld>
